--- a/images/streaming/graphics.pptx
+++ b/images/streaming/graphics.pptx
@@ -7,7 +7,6 @@
   <p:sldIdLst>
     <p:sldId id="256" r:id="rId2"/>
     <p:sldId id="257" r:id="rId3"/>
-    <p:sldId id="258" r:id="rId4"/>
   </p:sldIdLst>
   <p:sldSz cx="7315200" cy="4114800"/>
   <p:notesSz cx="6858000" cy="9144000"/>
@@ -4182,7 +4181,7 @@
           <p:nvPr>
             <p:extLst>
               <p:ext uri="{D42A27DB-BD31-4B8C-83A1-F6EECF244321}">
-                <p14:modId xmlns:p14="http://schemas.microsoft.com/office/powerpoint/2010/main" val="3377149207"/>
+                <p14:modId xmlns:p14="http://schemas.microsoft.com/office/powerpoint/2010/main" val="1572710069"/>
               </p:ext>
             </p:extLst>
           </p:nvPr>
@@ -4250,7 +4249,7 @@
                         <a:rPr lang="en-US" sz="1100" b="1" dirty="0">
                           <a:effectLst/>
                         </a:rPr>
-                        <a:t>Resolution</a:t>
+                        <a:t>Resolution (RGB)</a:t>
                       </a:r>
                     </a:p>
                   </a:txBody>
@@ -4726,10 +4725,7 @@
                       <a:tailEnd type="none" w="med" len="med"/>
                     </a:lnB>
                     <a:solidFill>
-                      <a:schemeClr val="accent4">
-                        <a:lumMod val="40000"/>
-                        <a:lumOff val="60000"/>
-                      </a:schemeClr>
+                      <a:srgbClr val="FCE8B2"/>
                     </a:solidFill>
                   </a:tcPr>
                 </a:tc>
@@ -6271,42 +6267,12 @@
           </a:graphicData>
         </a:graphic>
       </p:graphicFrame>
-    </p:spTree>
-    <p:extLst>
-      <p:ext uri="{BB962C8B-B14F-4D97-AF65-F5344CB8AC3E}">
-        <p14:creationId xmlns:p14="http://schemas.microsoft.com/office/powerpoint/2010/main" val="2587335368"/>
-      </p:ext>
-    </p:extLst>
-  </p:cSld>
-  <p:clrMapOvr>
-    <a:masterClrMapping/>
-  </p:clrMapOvr>
-</p:sld>
-</file>
-
-<file path=ppt/slides/slide3.xml><?xml version="1.0" encoding="utf-8"?>
-<p:sld xmlns:a="http://schemas.openxmlformats.org/drawingml/2006/main" xmlns:r="http://schemas.openxmlformats.org/officeDocument/2006/relationships" xmlns:p="http://schemas.openxmlformats.org/presentationml/2006/main">
-  <p:cSld>
-    <p:spTree>
-      <p:nvGrpSpPr>
-        <p:cNvPr id="1" name=""/>
-        <p:cNvGrpSpPr/>
-        <p:nvPr/>
-      </p:nvGrpSpPr>
-      <p:grpSpPr>
-        <a:xfrm>
-          <a:off x="0" y="0"/>
-          <a:ext cx="0" cy="0"/>
-          <a:chOff x="0" y="0"/>
-          <a:chExt cx="0" cy="0"/>
-        </a:xfrm>
-      </p:grpSpPr>
       <p:graphicFrame>
         <p:nvGraphicFramePr>
-          <p:cNvPr id="6" name="Table 5">
+          <p:cNvPr id="8" name="Table 7">
             <a:extLst>
               <a:ext uri="{FF2B5EF4-FFF2-40B4-BE49-F238E27FC236}">
-                <a16:creationId xmlns:a16="http://schemas.microsoft.com/office/drawing/2014/main" id="{4B642445-541F-40F0-BEBE-7FC4EC8F301B}"/>
+                <a16:creationId xmlns:a16="http://schemas.microsoft.com/office/drawing/2014/main" id="{51389A35-C80E-40CB-AA0D-F2E6AC1A2BB4}"/>
               </a:ext>
             </a:extLst>
           </p:cNvPr>
@@ -6316,13 +6282,13 @@
           <p:nvPr>
             <p:extLst>
               <p:ext uri="{D42A27DB-BD31-4B8C-83A1-F6EECF244321}">
-                <p14:modId xmlns:p14="http://schemas.microsoft.com/office/powerpoint/2010/main" val="2018336928"/>
+                <p14:modId xmlns:p14="http://schemas.microsoft.com/office/powerpoint/2010/main" val="1683336756"/>
               </p:ext>
             </p:extLst>
           </p:nvPr>
         </p:nvGraphicFramePr>
         <p:xfrm>
-          <a:off x="0" y="-1"/>
+          <a:off x="0" y="2291748"/>
           <a:ext cx="7315200" cy="1823052"/>
         </p:xfrm>
         <a:graphic>
@@ -6384,7 +6350,7 @@
                         <a:rPr lang="en-US" sz="1100" b="1" dirty="0">
                           <a:effectLst/>
                         </a:rPr>
-                        <a:t>Resolution</a:t>
+                        <a:t>Resolution (Gray)</a:t>
                       </a:r>
                     </a:p>
                   </a:txBody>
@@ -8405,7 +8371,7 @@
     </p:spTree>
     <p:extLst>
       <p:ext uri="{BB962C8B-B14F-4D97-AF65-F5344CB8AC3E}">
-        <p14:creationId xmlns:p14="http://schemas.microsoft.com/office/powerpoint/2010/main" val="1108986843"/>
+        <p14:creationId xmlns:p14="http://schemas.microsoft.com/office/powerpoint/2010/main" val="2587335368"/>
       </p:ext>
     </p:extLst>
   </p:cSld>
